--- a/presentakikawa/倒立振子の安定化制御（実験）.pptx
+++ b/presentakikawa/倒立振子の安定化制御（実験）.pptx
@@ -122,6 +122,11 @@
       </a:defRPr>
     </a:lvl9pPr>
   </p:defaultTextStyle>
+  <p:extLst>
+    <p:ext uri="{EFAFB233-063F-42B5-8137-9DF3F51BA10A}">
+      <p15:sldGuideLst xmlns:p15="http://schemas.microsoft.com/office/powerpoint/2012/main"/>
+    </p:ext>
+  </p:extLst>
 </p:presentation>
 </file>
 
@@ -722,7 +727,7 @@
           <a:p>
             <a:fld id="{730E848A-FD36-4182-9FDD-65B7A58C85C6}" type="datetimeFigureOut">
               <a:rPr kumimoji="1" lang="ja-JP" altLang="en-US" smtClean="0"/>
-              <a:t>2017/7/25</a:t>
+              <a:t>2017/7/26</a:t>
             </a:fld>
             <a:endParaRPr kumimoji="1" lang="ja-JP" altLang="en-US"/>
           </a:p>
@@ -924,7 +929,7 @@
           <a:p>
             <a:fld id="{730E848A-FD36-4182-9FDD-65B7A58C85C6}" type="datetimeFigureOut">
               <a:rPr kumimoji="1" lang="ja-JP" altLang="en-US" smtClean="0"/>
-              <a:t>2017/7/25</a:t>
+              <a:t>2017/7/26</a:t>
             </a:fld>
             <a:endParaRPr kumimoji="1" lang="ja-JP" altLang="en-US"/>
           </a:p>
@@ -1136,7 +1141,7 @@
           <a:p>
             <a:fld id="{730E848A-FD36-4182-9FDD-65B7A58C85C6}" type="datetimeFigureOut">
               <a:rPr kumimoji="1" lang="ja-JP" altLang="en-US" smtClean="0"/>
-              <a:t>2017/7/25</a:t>
+              <a:t>2017/7/26</a:t>
             </a:fld>
             <a:endParaRPr kumimoji="1" lang="ja-JP" altLang="en-US"/>
           </a:p>
@@ -1338,7 +1343,7 @@
           <a:p>
             <a:fld id="{730E848A-FD36-4182-9FDD-65B7A58C85C6}" type="datetimeFigureOut">
               <a:rPr kumimoji="1" lang="ja-JP" altLang="en-US" smtClean="0"/>
-              <a:t>2017/7/25</a:t>
+              <a:t>2017/7/26</a:t>
             </a:fld>
             <a:endParaRPr kumimoji="1" lang="ja-JP" altLang="en-US"/>
           </a:p>
@@ -1582,7 +1587,7 @@
           <a:p>
             <a:fld id="{730E848A-FD36-4182-9FDD-65B7A58C85C6}" type="datetimeFigureOut">
               <a:rPr kumimoji="1" lang="ja-JP" altLang="en-US" smtClean="0"/>
-              <a:t>2017/7/25</a:t>
+              <a:t>2017/7/26</a:t>
             </a:fld>
             <a:endParaRPr kumimoji="1" lang="ja-JP" altLang="en-US"/>
           </a:p>
@@ -1878,7 +1883,7 @@
           <a:p>
             <a:fld id="{730E848A-FD36-4182-9FDD-65B7A58C85C6}" type="datetimeFigureOut">
               <a:rPr kumimoji="1" lang="ja-JP" altLang="en-US" smtClean="0"/>
-              <a:t>2017/7/25</a:t>
+              <a:t>2017/7/26</a:t>
             </a:fld>
             <a:endParaRPr kumimoji="1" lang="ja-JP" altLang="en-US"/>
           </a:p>
@@ -2309,7 +2314,7 @@
           <a:p>
             <a:fld id="{730E848A-FD36-4182-9FDD-65B7A58C85C6}" type="datetimeFigureOut">
               <a:rPr kumimoji="1" lang="ja-JP" altLang="en-US" smtClean="0"/>
-              <a:t>2017/7/25</a:t>
+              <a:t>2017/7/26</a:t>
             </a:fld>
             <a:endParaRPr kumimoji="1" lang="ja-JP" altLang="en-US"/>
           </a:p>
@@ -2427,7 +2432,7 @@
           <a:p>
             <a:fld id="{730E848A-FD36-4182-9FDD-65B7A58C85C6}" type="datetimeFigureOut">
               <a:rPr kumimoji="1" lang="ja-JP" altLang="en-US" smtClean="0"/>
-              <a:t>2017/7/25</a:t>
+              <a:t>2017/7/26</a:t>
             </a:fld>
             <a:endParaRPr kumimoji="1" lang="ja-JP" altLang="en-US"/>
           </a:p>
@@ -2522,7 +2527,7 @@
           <a:p>
             <a:fld id="{730E848A-FD36-4182-9FDD-65B7A58C85C6}" type="datetimeFigureOut">
               <a:rPr kumimoji="1" lang="ja-JP" altLang="en-US" smtClean="0"/>
-              <a:t>2017/7/25</a:t>
+              <a:t>2017/7/26</a:t>
             </a:fld>
             <a:endParaRPr kumimoji="1" lang="ja-JP" altLang="en-US"/>
           </a:p>
@@ -2831,7 +2836,7 @@
           <a:p>
             <a:fld id="{730E848A-FD36-4182-9FDD-65B7A58C85C6}" type="datetimeFigureOut">
               <a:rPr kumimoji="1" lang="ja-JP" altLang="en-US" smtClean="0"/>
-              <a:t>2017/7/25</a:t>
+              <a:t>2017/7/26</a:t>
             </a:fld>
             <a:endParaRPr kumimoji="1" lang="ja-JP" altLang="en-US"/>
           </a:p>
@@ -3088,7 +3093,7 @@
           <a:p>
             <a:fld id="{730E848A-FD36-4182-9FDD-65B7A58C85C6}" type="datetimeFigureOut">
               <a:rPr kumimoji="1" lang="ja-JP" altLang="en-US" smtClean="0"/>
-              <a:t>2017/7/25</a:t>
+              <a:t>2017/7/26</a:t>
             </a:fld>
             <a:endParaRPr kumimoji="1" lang="ja-JP" altLang="en-US"/>
           </a:p>
@@ -3333,7 +3338,7 @@
           <a:p>
             <a:fld id="{730E848A-FD36-4182-9FDD-65B7A58C85C6}" type="datetimeFigureOut">
               <a:rPr kumimoji="1" lang="ja-JP" altLang="en-US" smtClean="0"/>
-              <a:t>2017/7/25</a:t>
+              <a:t>2017/7/26</a:t>
             </a:fld>
             <a:endParaRPr kumimoji="1" lang="ja-JP" altLang="en-US"/>
           </a:p>
@@ -3879,8 +3884,8 @@
           </a:p>
         </p:txBody>
       </p:sp>
-      <mc:AlternateContent xmlns:mc="http://schemas.openxmlformats.org/markup-compatibility/2006">
-        <mc:Choice xmlns:a14="http://schemas.microsoft.com/office/drawing/2010/main" Requires="a14">
+      <mc:AlternateContent xmlns:mc="http://schemas.openxmlformats.org/markup-compatibility/2006" xmlns:a14="http://schemas.microsoft.com/office/drawing/2010/main">
+        <mc:Choice Requires="a14">
           <p:graphicFrame>
             <p:nvGraphicFramePr>
               <p:cNvPr id="11" name="表 10"/>
@@ -5067,7 +5072,7 @@
             </a:graphic>
           </p:graphicFrame>
         </mc:Choice>
-        <mc:Fallback>
+        <mc:Fallback xmlns="">
           <p:graphicFrame>
             <p:nvGraphicFramePr>
               <p:cNvPr id="11" name="表 10"/>
@@ -5800,8 +5805,8 @@
           </a:xfrm>
         </p:spPr>
       </p:pic>
-      <mc:AlternateContent xmlns:mc="http://schemas.openxmlformats.org/markup-compatibility/2006">
-        <mc:Choice xmlns:a14="http://schemas.microsoft.com/office/drawing/2010/main" Requires="a14">
+      <mc:AlternateContent xmlns:mc="http://schemas.openxmlformats.org/markup-compatibility/2006" xmlns:a14="http://schemas.microsoft.com/office/drawing/2010/main">
+        <mc:Choice Requires="a14">
           <p:graphicFrame>
             <p:nvGraphicFramePr>
               <p:cNvPr id="7" name="表 6"/>
@@ -8134,7 +8139,7 @@
             </a:graphic>
           </p:graphicFrame>
         </mc:Choice>
-        <mc:Fallback>
+        <mc:Fallback xmlns="">
           <p:graphicFrame>
             <p:nvGraphicFramePr>
               <p:cNvPr id="7" name="表 6"/>
@@ -8885,8 +8890,8 @@
           </a:xfrm>
         </p:spPr>
       </p:pic>
-      <mc:AlternateContent xmlns:mc="http://schemas.openxmlformats.org/markup-compatibility/2006">
-        <mc:Choice xmlns:a14="http://schemas.microsoft.com/office/drawing/2010/main" Requires="a14">
+      <mc:AlternateContent xmlns:mc="http://schemas.openxmlformats.org/markup-compatibility/2006" xmlns:a14="http://schemas.microsoft.com/office/drawing/2010/main">
+        <mc:Choice Requires="a14">
           <p:graphicFrame>
             <p:nvGraphicFramePr>
               <p:cNvPr id="7" name="表 6"/>
@@ -9691,41 +9696,7 @@
                               <a:ea typeface="+mn-ea"/>
                               <a:cs typeface="+mn-cs"/>
                             </a:rPr>
-                            <a:t>1</a:t>
-                          </a:r>
-                          <a:r>
-                            <a:rPr kumimoji="1" lang="en-US" altLang="ja-JP" sz="1400" b="0" i="0" u="none" strike="noStrike" kern="1200" cap="none" spc="0" normalizeH="0" baseline="0" noProof="0" dirty="0" smtClean="0">
-                              <a:ln>
-                                <a:noFill/>
-                              </a:ln>
-                              <a:solidFill>
-                                <a:srgbClr val="FF0000"/>
-                              </a:solidFill>
-                              <a:effectLst/>
-                              <a:uLnTx/>
-                              <a:uFillTx/>
-                              <a:latin typeface="Century" panose="02040604050505020304" pitchFamily="18" charset="0"/>
-                              <a:ea typeface="+mn-ea"/>
-                              <a:cs typeface="+mn-cs"/>
-                            </a:rPr>
-                            <a:t> </a:t>
-                          </a:r>
-                          <a:r>
-                            <a:rPr kumimoji="1" lang="en-US" altLang="ja-JP" sz="1400" b="0" i="0" u="none" strike="noStrike" kern="1200" cap="none" spc="0" normalizeH="0" baseline="0" noProof="0" dirty="0" smtClean="0">
-                              <a:ln>
-                                <a:noFill/>
-                              </a:ln>
-                              <a:solidFill>
-                                <a:srgbClr val="FF0000"/>
-                              </a:solidFill>
-                              <a:effectLst/>
-                              <a:uLnTx/>
-                              <a:uFillTx/>
-                              <a:latin typeface="Century" panose="02040604050505020304" pitchFamily="18" charset="0"/>
-                              <a:ea typeface="+mn-ea"/>
-                              <a:cs typeface="+mn-cs"/>
-                            </a:rPr>
-                            <a:t>: </a:t>
+                            <a:t>1 : </a:t>
                           </a:r>
                           <a14:m>
                             <m:oMath xmlns:m="http://schemas.openxmlformats.org/officeDocument/2006/math">
@@ -10136,41 +10107,7 @@
                               <a:ea typeface="+mn-ea"/>
                               <a:cs typeface="+mn-cs"/>
                             </a:rPr>
-                            <a:t>2</a:t>
-                          </a:r>
-                          <a:r>
-                            <a:rPr kumimoji="1" lang="en-US" altLang="ja-JP" sz="1400" b="0" i="0" u="none" strike="noStrike" kern="1200" cap="none" spc="0" normalizeH="0" baseline="0" noProof="0" dirty="0" smtClean="0">
-                              <a:ln>
-                                <a:noFill/>
-                              </a:ln>
-                              <a:solidFill>
-                                <a:srgbClr val="00B050"/>
-                              </a:solidFill>
-                              <a:effectLst/>
-                              <a:uLnTx/>
-                              <a:uFillTx/>
-                              <a:latin typeface="Century" panose="02040604050505020304" pitchFamily="18" charset="0"/>
-                              <a:ea typeface="+mn-ea"/>
-                              <a:cs typeface="+mn-cs"/>
-                            </a:rPr>
-                            <a:t> </a:t>
-                          </a:r>
-                          <a:r>
-                            <a:rPr kumimoji="1" lang="en-US" altLang="ja-JP" sz="1400" b="0" i="0" u="none" strike="noStrike" kern="1200" cap="none" spc="0" normalizeH="0" baseline="0" noProof="0" dirty="0" smtClean="0">
-                              <a:ln>
-                                <a:noFill/>
-                              </a:ln>
-                              <a:solidFill>
-                                <a:srgbClr val="00B050"/>
-                              </a:solidFill>
-                              <a:effectLst/>
-                              <a:uLnTx/>
-                              <a:uFillTx/>
-                              <a:latin typeface="Century" panose="02040604050505020304" pitchFamily="18" charset="0"/>
-                              <a:ea typeface="+mn-ea"/>
-                              <a:cs typeface="+mn-cs"/>
-                            </a:rPr>
-                            <a:t>: </a:t>
+                            <a:t>2 : </a:t>
                           </a:r>
                           <a14:m>
                             <m:oMath xmlns:m="http://schemas.openxmlformats.org/officeDocument/2006/math">
@@ -10226,41 +10163,7 @@
                                       <a:ea typeface="+mn-ea"/>
                                       <a:cs typeface="+mn-cs"/>
                                     </a:rPr>
-                                    <m:t>−</m:t>
-                                  </m:r>
-                                  <m:r>
-                                    <a:rPr kumimoji="1" lang="en-US" altLang="ja-JP" sz="1400" b="0" i="1" u="none" strike="noStrike" kern="1200" cap="none" spc="0" normalizeH="0" baseline="0" noProof="0" smtClean="0">
-                                      <a:ln>
-                                        <a:noFill/>
-                                      </a:ln>
-                                      <a:solidFill>
-                                        <a:srgbClr val="00B050"/>
-                                      </a:solidFill>
-                                      <a:effectLst/>
-                                      <a:uLnTx/>
-                                      <a:uFillTx/>
-                                      <a:latin typeface="Cambria Math" panose="02040503050406030204" pitchFamily="18" charset="0"/>
-                                      <a:ea typeface="+mn-ea"/>
-                                      <a:cs typeface="+mn-cs"/>
-                                    </a:rPr>
-                                    <m:t>50</m:t>
-                                  </m:r>
-                                  <m:r>
-                                    <a:rPr kumimoji="1" lang="en-US" altLang="ja-JP" sz="1400" b="0" i="1" u="none" strike="noStrike" kern="1200" cap="none" spc="0" normalizeH="0" baseline="0" noProof="0" smtClean="0">
-                                      <a:ln>
-                                        <a:noFill/>
-                                      </a:ln>
-                                      <a:solidFill>
-                                        <a:srgbClr val="00B050"/>
-                                      </a:solidFill>
-                                      <a:effectLst/>
-                                      <a:uLnTx/>
-                                      <a:uFillTx/>
-                                      <a:latin typeface="Cambria Math" panose="02040503050406030204" pitchFamily="18" charset="0"/>
-                                      <a:ea typeface="+mn-ea"/>
-                                      <a:cs typeface="+mn-cs"/>
-                                    </a:rPr>
-                                    <m:t>,0</m:t>
+                                    <m:t>−50,0</m:t>
                                   </m:r>
                                 </m:e>
                               </m:d>
@@ -10279,41 +10182,7 @@
                                   <a:ea typeface="+mn-ea"/>
                                   <a:cs typeface="+mn-cs"/>
                                 </a:rPr>
-                                <m:t>,(−</m:t>
-                              </m:r>
-                              <m:r>
-                                <a:rPr kumimoji="1" lang="en-US" altLang="ja-JP" sz="1400" b="0" i="1" u="none" strike="noStrike" kern="1200" cap="none" spc="0" normalizeH="0" baseline="0" noProof="0" smtClean="0">
-                                  <a:ln>
-                                    <a:noFill/>
-                                  </a:ln>
-                                  <a:solidFill>
-                                    <a:srgbClr val="00B050"/>
-                                  </a:solidFill>
-                                  <a:effectLst/>
-                                  <a:uLnTx/>
-                                  <a:uFillTx/>
-                                  <a:latin typeface="Cambria Math" panose="02040503050406030204" pitchFamily="18" charset="0"/>
-                                  <a:ea typeface="+mn-ea"/>
-                                  <a:cs typeface="+mn-cs"/>
-                                </a:rPr>
-                                <m:t>50</m:t>
-                              </m:r>
-                              <m:r>
-                                <a:rPr kumimoji="1" lang="en-US" altLang="ja-JP" sz="1400" b="0" i="1" u="none" strike="noStrike" kern="1200" cap="none" spc="0" normalizeH="0" baseline="0" noProof="0" smtClean="0">
-                                  <a:ln>
-                                    <a:noFill/>
-                                  </a:ln>
-                                  <a:solidFill>
-                                    <a:srgbClr val="00B050"/>
-                                  </a:solidFill>
-                                  <a:effectLst/>
-                                  <a:uLnTx/>
-                                  <a:uFillTx/>
-                                  <a:latin typeface="Cambria Math" panose="02040503050406030204" pitchFamily="18" charset="0"/>
-                                  <a:ea typeface="+mn-ea"/>
-                                  <a:cs typeface="+mn-cs"/>
-                                </a:rPr>
-                                <m:t>,0)]</m:t>
+                                <m:t>,(−50,0)]</m:t>
                               </m:r>
                             </m:oMath>
                           </a14:m>
@@ -10394,7 +10263,7 @@
             </a:graphic>
           </p:graphicFrame>
         </mc:Choice>
-        <mc:Fallback>
+        <mc:Fallback xmlns="">
           <p:graphicFrame>
             <p:nvGraphicFramePr>
               <p:cNvPr id="7" name="表 6"/>
@@ -10960,8 +10829,8 @@
           </a:xfrm>
         </p:spPr>
       </p:pic>
-      <mc:AlternateContent xmlns:mc="http://schemas.openxmlformats.org/markup-compatibility/2006">
-        <mc:Choice xmlns:a14="http://schemas.microsoft.com/office/drawing/2010/main" Requires="a14">
+      <mc:AlternateContent xmlns:mc="http://schemas.openxmlformats.org/markup-compatibility/2006" xmlns:a14="http://schemas.microsoft.com/office/drawing/2010/main">
+        <mc:Choice Requires="a14">
           <p:graphicFrame>
             <p:nvGraphicFramePr>
               <p:cNvPr id="7" name="表 6"/>
@@ -12148,7 +12017,7 @@
             </a:graphic>
           </p:graphicFrame>
         </mc:Choice>
-        <mc:Fallback>
+        <mc:Fallback xmlns="">
           <p:graphicFrame>
             <p:nvGraphicFramePr>
               <p:cNvPr id="7" name="表 6"/>
@@ -12782,8 +12651,8 @@
           </a:p>
         </p:txBody>
       </p:sp>
-      <mc:AlternateContent xmlns:mc="http://schemas.openxmlformats.org/markup-compatibility/2006">
-        <mc:Choice xmlns:a14="http://schemas.microsoft.com/office/drawing/2010/main" Requires="a14">
+      <mc:AlternateContent xmlns:mc="http://schemas.openxmlformats.org/markup-compatibility/2006" xmlns:a14="http://schemas.microsoft.com/office/drawing/2010/main">
+        <mc:Choice Requires="a14">
           <p:graphicFrame>
             <p:nvGraphicFramePr>
               <p:cNvPr id="9" name="表 8"/>
@@ -13378,16 +13247,7 @@
                                     </a:solidFill>
                                     <a:latin typeface="Cambria Math" panose="02040503050406030204" pitchFamily="18" charset="0"/>
                                   </a:rPr>
-                                  <m:t>+</m:t>
-                                </m:r>
-                                <m:r>
-                                  <a:rPr kumimoji="1" lang="en-US" altLang="ja-JP" b="0" i="0" smtClean="0">
-                                    <a:solidFill>
-                                      <a:srgbClr val="00B050"/>
-                                    </a:solidFill>
-                                    <a:latin typeface="Cambria Math" panose="02040503050406030204" pitchFamily="18" charset="0"/>
-                                  </a:rPr>
-                                  <m:t>4</m:t>
+                                  <m:t>+4</m:t>
                                 </m:r>
                               </m:oMath>
                             </m:oMathPara>
@@ -13732,7 +13592,7 @@
             </a:graphic>
           </p:graphicFrame>
         </mc:Choice>
-        <mc:Fallback>
+        <mc:Fallback xmlns="">
           <p:graphicFrame>
             <p:nvGraphicFramePr>
               <p:cNvPr id="9" name="表 8"/>
@@ -14508,7 +14368,7 @@
           </p:nvPr>
         </p:nvPicPr>
         <p:blipFill>
-          <a:blip r:embed="rId3">
+          <a:blip r:embed="rId3" cstate="print">
             <a:extLst>
               <a:ext uri="{28A0092B-C50C-407E-A947-70E740481C1C}">
                 <a14:useLocalDpi xmlns:a14="http://schemas.microsoft.com/office/drawing/2010/main" val="0"/>
@@ -14537,7 +14397,7 @@
           </p:nvPr>
         </p:nvPicPr>
         <p:blipFill>
-          <a:blip r:embed="rId4">
+          <a:blip r:embed="rId4" cstate="print">
             <a:extLst>
               <a:ext uri="{28A0092B-C50C-407E-A947-70E740481C1C}">
                 <a14:useLocalDpi xmlns:a14="http://schemas.microsoft.com/office/drawing/2010/main" val="0"/>
@@ -14615,8 +14475,8 @@
           </a:p>
         </p:txBody>
       </p:sp>
-      <mc:AlternateContent xmlns:mc="http://schemas.openxmlformats.org/markup-compatibility/2006">
-        <mc:Choice xmlns:a14="http://schemas.microsoft.com/office/drawing/2010/main" Requires="a14">
+      <mc:AlternateContent xmlns:mc="http://schemas.openxmlformats.org/markup-compatibility/2006" xmlns:a14="http://schemas.microsoft.com/office/drawing/2010/main">
+        <mc:Choice Requires="a14">
           <p:sp>
             <p:nvSpPr>
               <p:cNvPr id="3" name="コンテンツ プレースホルダー 2"/>
@@ -14761,7 +14621,7 @@
             </p:txBody>
           </p:sp>
         </mc:Choice>
-        <mc:Fallback>
+        <mc:Fallback xmlns="">
           <p:sp>
             <p:nvSpPr>
               <p:cNvPr id="3" name="コンテンツ プレースホルダー 2"/>
@@ -15051,8 +14911,8 @@
           </a:xfrm>
         </p:spPr>
       </p:pic>
-      <mc:AlternateContent xmlns:mc="http://schemas.openxmlformats.org/markup-compatibility/2006">
-        <mc:Choice xmlns:a14="http://schemas.microsoft.com/office/drawing/2010/main" Requires="a14">
+      <mc:AlternateContent xmlns:mc="http://schemas.openxmlformats.org/markup-compatibility/2006" xmlns:a14="http://schemas.microsoft.com/office/drawing/2010/main">
+        <mc:Choice Requires="a14">
           <p:graphicFrame>
             <p:nvGraphicFramePr>
               <p:cNvPr id="17" name="表 16"/>
@@ -15523,7 +15383,7 @@
             </a:graphic>
           </p:graphicFrame>
         </mc:Choice>
-        <mc:Fallback>
+        <mc:Fallback xmlns="">
           <p:graphicFrame>
             <p:nvGraphicFramePr>
               <p:cNvPr id="17" name="表 16"/>
@@ -16424,8 +16284,8 @@
           </a:xfrm>
         </p:spPr>
       </p:pic>
-      <mc:AlternateContent xmlns:mc="http://schemas.openxmlformats.org/markup-compatibility/2006">
-        <mc:Choice xmlns:a14="http://schemas.microsoft.com/office/drawing/2010/main" Requires="a14">
+      <mc:AlternateContent xmlns:mc="http://schemas.openxmlformats.org/markup-compatibility/2006" xmlns:a14="http://schemas.microsoft.com/office/drawing/2010/main">
+        <mc:Choice Requires="a14">
           <p:graphicFrame>
             <p:nvGraphicFramePr>
               <p:cNvPr id="9" name="表 8"/>
@@ -18758,7 +18618,7 @@
             </a:graphic>
           </p:graphicFrame>
         </mc:Choice>
-        <mc:Fallback>
+        <mc:Fallback xmlns="">
           <p:graphicFrame>
             <p:nvGraphicFramePr>
               <p:cNvPr id="9" name="表 8"/>
@@ -19468,8 +19328,8 @@
           </a:p>
         </p:txBody>
       </p:sp>
-      <mc:AlternateContent xmlns:mc="http://schemas.openxmlformats.org/markup-compatibility/2006">
-        <mc:Choice xmlns:a14="http://schemas.microsoft.com/office/drawing/2010/main" Requires="a14">
+      <mc:AlternateContent xmlns:mc="http://schemas.openxmlformats.org/markup-compatibility/2006" xmlns:a14="http://schemas.microsoft.com/office/drawing/2010/main">
+        <mc:Choice Requires="a14">
           <p:graphicFrame>
             <p:nvGraphicFramePr>
               <p:cNvPr id="6" name="表 5"/>
@@ -20274,41 +20134,7 @@
                               <a:ea typeface="+mn-ea"/>
                               <a:cs typeface="+mn-cs"/>
                             </a:rPr>
-                            <a:t>1</a:t>
-                          </a:r>
-                          <a:r>
-                            <a:rPr kumimoji="1" lang="en-US" altLang="ja-JP" sz="1400" b="0" i="0" u="none" strike="noStrike" kern="1200" cap="none" spc="0" normalizeH="0" baseline="0" noProof="0" dirty="0" smtClean="0">
-                              <a:ln>
-                                <a:noFill/>
-                              </a:ln>
-                              <a:solidFill>
-                                <a:srgbClr val="FF0000"/>
-                              </a:solidFill>
-                              <a:effectLst/>
-                              <a:uLnTx/>
-                              <a:uFillTx/>
-                              <a:latin typeface="Century" panose="02040604050505020304" pitchFamily="18" charset="0"/>
-                              <a:ea typeface="+mn-ea"/>
-                              <a:cs typeface="+mn-cs"/>
-                            </a:rPr>
-                            <a:t> </a:t>
-                          </a:r>
-                          <a:r>
-                            <a:rPr kumimoji="1" lang="en-US" altLang="ja-JP" sz="1400" b="0" i="0" u="none" strike="noStrike" kern="1200" cap="none" spc="0" normalizeH="0" baseline="0" noProof="0" dirty="0" smtClean="0">
-                              <a:ln>
-                                <a:noFill/>
-                              </a:ln>
-                              <a:solidFill>
-                                <a:srgbClr val="FF0000"/>
-                              </a:solidFill>
-                              <a:effectLst/>
-                              <a:uLnTx/>
-                              <a:uFillTx/>
-                              <a:latin typeface="Century" panose="02040604050505020304" pitchFamily="18" charset="0"/>
-                              <a:ea typeface="+mn-ea"/>
-                              <a:cs typeface="+mn-cs"/>
-                            </a:rPr>
-                            <a:t>: </a:t>
+                            <a:t>1 : </a:t>
                           </a:r>
                           <a14:m>
                             <m:oMath xmlns:m="http://schemas.openxmlformats.org/officeDocument/2006/math">
@@ -20719,41 +20545,7 @@
                               <a:ea typeface="+mn-ea"/>
                               <a:cs typeface="+mn-cs"/>
                             </a:rPr>
-                            <a:t>2</a:t>
-                          </a:r>
-                          <a:r>
-                            <a:rPr kumimoji="1" lang="en-US" altLang="ja-JP" sz="1400" b="0" i="0" u="none" strike="noStrike" kern="1200" cap="none" spc="0" normalizeH="0" baseline="0" noProof="0" dirty="0" smtClean="0">
-                              <a:ln>
-                                <a:noFill/>
-                              </a:ln>
-                              <a:solidFill>
-                                <a:srgbClr val="00B050"/>
-                              </a:solidFill>
-                              <a:effectLst/>
-                              <a:uLnTx/>
-                              <a:uFillTx/>
-                              <a:latin typeface="Century" panose="02040604050505020304" pitchFamily="18" charset="0"/>
-                              <a:ea typeface="+mn-ea"/>
-                              <a:cs typeface="+mn-cs"/>
-                            </a:rPr>
-                            <a:t> </a:t>
-                          </a:r>
-                          <a:r>
-                            <a:rPr kumimoji="1" lang="en-US" altLang="ja-JP" sz="1400" b="0" i="0" u="none" strike="noStrike" kern="1200" cap="none" spc="0" normalizeH="0" baseline="0" noProof="0" dirty="0" smtClean="0">
-                              <a:ln>
-                                <a:noFill/>
-                              </a:ln>
-                              <a:solidFill>
-                                <a:srgbClr val="00B050"/>
-                              </a:solidFill>
-                              <a:effectLst/>
-                              <a:uLnTx/>
-                              <a:uFillTx/>
-                              <a:latin typeface="Century" panose="02040604050505020304" pitchFamily="18" charset="0"/>
-                              <a:ea typeface="+mn-ea"/>
-                              <a:cs typeface="+mn-cs"/>
-                            </a:rPr>
-                            <a:t>: </a:t>
+                            <a:t>2 : </a:t>
                           </a:r>
                           <a14:m>
                             <m:oMath xmlns:m="http://schemas.openxmlformats.org/officeDocument/2006/math">
@@ -20809,41 +20601,7 @@
                                       <a:ea typeface="+mn-ea"/>
                                       <a:cs typeface="+mn-cs"/>
                                     </a:rPr>
-                                    <m:t>−</m:t>
-                                  </m:r>
-                                  <m:r>
-                                    <a:rPr kumimoji="1" lang="en-US" altLang="ja-JP" sz="1400" b="0" i="1" u="none" strike="noStrike" kern="1200" cap="none" spc="0" normalizeH="0" baseline="0" noProof="0" smtClean="0">
-                                      <a:ln>
-                                        <a:noFill/>
-                                      </a:ln>
-                                      <a:solidFill>
-                                        <a:srgbClr val="00B050"/>
-                                      </a:solidFill>
-                                      <a:effectLst/>
-                                      <a:uLnTx/>
-                                      <a:uFillTx/>
-                                      <a:latin typeface="Cambria Math" panose="02040503050406030204" pitchFamily="18" charset="0"/>
-                                      <a:ea typeface="+mn-ea"/>
-                                      <a:cs typeface="+mn-cs"/>
-                                    </a:rPr>
-                                    <m:t>50</m:t>
-                                  </m:r>
-                                  <m:r>
-                                    <a:rPr kumimoji="1" lang="en-US" altLang="ja-JP" sz="1400" b="0" i="1" u="none" strike="noStrike" kern="1200" cap="none" spc="0" normalizeH="0" baseline="0" noProof="0" smtClean="0">
-                                      <a:ln>
-                                        <a:noFill/>
-                                      </a:ln>
-                                      <a:solidFill>
-                                        <a:srgbClr val="00B050"/>
-                                      </a:solidFill>
-                                      <a:effectLst/>
-                                      <a:uLnTx/>
-                                      <a:uFillTx/>
-                                      <a:latin typeface="Cambria Math" panose="02040503050406030204" pitchFamily="18" charset="0"/>
-                                      <a:ea typeface="+mn-ea"/>
-                                      <a:cs typeface="+mn-cs"/>
-                                    </a:rPr>
-                                    <m:t>,0</m:t>
+                                    <m:t>−50,0</m:t>
                                   </m:r>
                                 </m:e>
                               </m:d>
@@ -20862,41 +20620,7 @@
                                   <a:ea typeface="+mn-ea"/>
                                   <a:cs typeface="+mn-cs"/>
                                 </a:rPr>
-                                <m:t>,(−</m:t>
-                              </m:r>
-                              <m:r>
-                                <a:rPr kumimoji="1" lang="en-US" altLang="ja-JP" sz="1400" b="0" i="1" u="none" strike="noStrike" kern="1200" cap="none" spc="0" normalizeH="0" baseline="0" noProof="0" smtClean="0">
-                                  <a:ln>
-                                    <a:noFill/>
-                                  </a:ln>
-                                  <a:solidFill>
-                                    <a:srgbClr val="00B050"/>
-                                  </a:solidFill>
-                                  <a:effectLst/>
-                                  <a:uLnTx/>
-                                  <a:uFillTx/>
-                                  <a:latin typeface="Cambria Math" panose="02040503050406030204" pitchFamily="18" charset="0"/>
-                                  <a:ea typeface="+mn-ea"/>
-                                  <a:cs typeface="+mn-cs"/>
-                                </a:rPr>
-                                <m:t>50</m:t>
-                              </m:r>
-                              <m:r>
-                                <a:rPr kumimoji="1" lang="en-US" altLang="ja-JP" sz="1400" b="0" i="1" u="none" strike="noStrike" kern="1200" cap="none" spc="0" normalizeH="0" baseline="0" noProof="0" smtClean="0">
-                                  <a:ln>
-                                    <a:noFill/>
-                                  </a:ln>
-                                  <a:solidFill>
-                                    <a:srgbClr val="00B050"/>
-                                  </a:solidFill>
-                                  <a:effectLst/>
-                                  <a:uLnTx/>
-                                  <a:uFillTx/>
-                                  <a:latin typeface="Cambria Math" panose="02040503050406030204" pitchFamily="18" charset="0"/>
-                                  <a:ea typeface="+mn-ea"/>
-                                  <a:cs typeface="+mn-cs"/>
-                                </a:rPr>
-                                <m:t>,0)]</m:t>
+                                <m:t>,(−50,0)]</m:t>
                               </m:r>
                             </m:oMath>
                           </a14:m>
@@ -20977,7 +20701,7 @@
             </a:graphic>
           </p:graphicFrame>
         </mc:Choice>
-        <mc:Fallback>
+        <mc:Fallback xmlns="">
           <p:graphicFrame>
             <p:nvGraphicFramePr>
               <p:cNvPr id="6" name="表 5"/>
